--- a/PowerPoint/PPTTest.pptx
+++ b/PowerPoint/PPTTest.pptx
@@ -104,6 +104,11 @@
       </a:defRPr>
     </a:lvl9pPr>
   </p:defaultTextStyle>
+  <p:extLst>
+    <p:ext uri="{EFAFB233-063F-42B5-8137-9DF3F51BA10A}">
+      <p15:sldGuideLst xmlns:p15="http://schemas.microsoft.com/office/powerpoint/2012/main"/>
+    </p:ext>
+  </p:extLst>
 </p:presentation>
 </file>
 
@@ -2979,7 +2984,11 @@
           <a:bodyPr/>
           <a:lstStyle/>
           <a:p>
-            <a:endParaRPr lang="en-US"/>
+            <a:r>
+              <a:rPr lang="en-US" smtClean="0"/>
+              <a:t>Version 2</a:t>
+            </a:r>
+            <a:endParaRPr lang="en-US" dirty="0"/>
           </a:p>
         </p:txBody>
       </p:sp>

--- a/PowerPoint/PPTTest.pptx
+++ b/PowerPoint/PPTTest.pptx
@@ -2986,7 +2986,7 @@
           <a:p>
             <a:r>
               <a:rPr lang="en-US" smtClean="0"/>
-              <a:t>Version 2</a:t>
+              <a:t>Version 3</a:t>
             </a:r>
             <a:endParaRPr lang="en-US" dirty="0"/>
           </a:p>

--- a/PowerPoint/PPTTest.pptx
+++ b/PowerPoint/PPTTest.pptx
@@ -6,6 +6,11 @@
   </p:sldMasterIdLst>
   <p:sldIdLst>
     <p:sldId id="256" r:id="rId2"/>
+    <p:sldId id="257" r:id="rId3"/>
+    <p:sldId id="258" r:id="rId4"/>
+    <p:sldId id="259" r:id="rId5"/>
+    <p:sldId id="260" r:id="rId6"/>
+    <p:sldId id="261" r:id="rId7"/>
   </p:sldIdLst>
   <p:sldSz cx="12192000" cy="6858000"/>
   <p:notesSz cx="6858000" cy="9144000"/>
@@ -3024,6 +3029,476 @@
 </p:sld>
 </file>
 
+<file path=ppt/slides/slide2.xml><?xml version="1.0" encoding="utf-8"?>
+<p:sld xmlns:a="http://schemas.openxmlformats.org/drawingml/2006/main" xmlns:r="http://schemas.openxmlformats.org/officeDocument/2006/relationships" xmlns:p="http://schemas.openxmlformats.org/presentationml/2006/main">
+  <p:cSld>
+    <p:spTree>
+      <p:nvGrpSpPr>
+        <p:cNvPr id="1" name=""/>
+        <p:cNvGrpSpPr/>
+        <p:nvPr/>
+      </p:nvGrpSpPr>
+      <p:grpSpPr>
+        <a:xfrm>
+          <a:off x="0" y="0"/>
+          <a:ext cx="0" cy="0"/>
+          <a:chOff x="0" y="0"/>
+          <a:chExt cx="0" cy="0"/>
+        </a:xfrm>
+      </p:grpSpPr>
+      <p:sp>
+        <p:nvSpPr>
+          <p:cNvPr id="2" name="Title 1"/>
+          <p:cNvSpPr>
+            <a:spLocks noGrp="1"/>
+          </p:cNvSpPr>
+          <p:nvPr>
+            <p:ph type="title"/>
+          </p:nvPr>
+        </p:nvSpPr>
+        <p:spPr/>
+        <p:txBody>
+          <a:bodyPr/>
+          <a:lstStyle/>
+          <a:p>
+            <a:endParaRPr lang="en-US"/>
+          </a:p>
+        </p:txBody>
+      </p:sp>
+      <p:pic>
+        <p:nvPicPr>
+          <p:cNvPr id="4" name="Content Placeholder 3"/>
+          <p:cNvPicPr>
+            <a:picLocks noGrp="1" noChangeAspect="1"/>
+          </p:cNvPicPr>
+          <p:nvPr>
+            <p:ph idx="1"/>
+          </p:nvPr>
+        </p:nvPicPr>
+        <p:blipFill>
+          <a:blip r:embed="rId2">
+            <a:extLst>
+              <a:ext uri="{28A0092B-C50C-407E-A947-70E740481C1C}">
+                <a14:useLocalDpi xmlns:a14="http://schemas.microsoft.com/office/drawing/2010/main" val="0"/>
+              </a:ext>
+            </a:extLst>
+          </a:blip>
+          <a:stretch>
+            <a:fillRect/>
+          </a:stretch>
+        </p:blipFill>
+        <p:spPr>
+          <a:xfrm>
+            <a:off x="3195108" y="1825625"/>
+            <a:ext cx="5801784" cy="4351338"/>
+          </a:xfrm>
+        </p:spPr>
+      </p:pic>
+    </p:spTree>
+    <p:extLst>
+      <p:ext uri="{BB962C8B-B14F-4D97-AF65-F5344CB8AC3E}">
+        <p14:creationId xmlns:p14="http://schemas.microsoft.com/office/powerpoint/2010/main" val="3097269842"/>
+      </p:ext>
+    </p:extLst>
+  </p:cSld>
+  <p:clrMapOvr>
+    <a:masterClrMapping/>
+  </p:clrMapOvr>
+</p:sld>
+</file>
+
+<file path=ppt/slides/slide3.xml><?xml version="1.0" encoding="utf-8"?>
+<p:sld xmlns:a="http://schemas.openxmlformats.org/drawingml/2006/main" xmlns:r="http://schemas.openxmlformats.org/officeDocument/2006/relationships" xmlns:p="http://schemas.openxmlformats.org/presentationml/2006/main">
+  <p:cSld>
+    <p:spTree>
+      <p:nvGrpSpPr>
+        <p:cNvPr id="1" name=""/>
+        <p:cNvGrpSpPr/>
+        <p:nvPr/>
+      </p:nvGrpSpPr>
+      <p:grpSpPr>
+        <a:xfrm>
+          <a:off x="0" y="0"/>
+          <a:ext cx="0" cy="0"/>
+          <a:chOff x="0" y="0"/>
+          <a:chExt cx="0" cy="0"/>
+        </a:xfrm>
+      </p:grpSpPr>
+      <p:sp>
+        <p:nvSpPr>
+          <p:cNvPr id="2" name="Title 1"/>
+          <p:cNvSpPr>
+            <a:spLocks noGrp="1"/>
+          </p:cNvSpPr>
+          <p:nvPr>
+            <p:ph type="title"/>
+          </p:nvPr>
+        </p:nvSpPr>
+        <p:spPr/>
+        <p:txBody>
+          <a:bodyPr/>
+          <a:lstStyle/>
+          <a:p>
+            <a:endParaRPr lang="en-US"/>
+          </a:p>
+        </p:txBody>
+      </p:sp>
+      <p:sp>
+        <p:nvSpPr>
+          <p:cNvPr id="3" name="Content Placeholder 2"/>
+          <p:cNvSpPr>
+            <a:spLocks noGrp="1"/>
+          </p:cNvSpPr>
+          <p:nvPr>
+            <p:ph idx="1"/>
+          </p:nvPr>
+        </p:nvSpPr>
+        <p:spPr/>
+        <p:txBody>
+          <a:bodyPr/>
+          <a:lstStyle/>
+          <a:p>
+            <a:endParaRPr lang="en-US"/>
+          </a:p>
+        </p:txBody>
+      </p:sp>
+      <p:pic>
+        <p:nvPicPr>
+          <p:cNvPr id="4" name="Content Placeholder 3"/>
+          <p:cNvPicPr>
+            <a:picLocks noChangeAspect="1"/>
+          </p:cNvPicPr>
+          <p:nvPr/>
+        </p:nvPicPr>
+        <p:blipFill>
+          <a:blip r:embed="rId2">
+            <a:extLst>
+              <a:ext uri="{28A0092B-C50C-407E-A947-70E740481C1C}">
+                <a14:useLocalDpi xmlns:a14="http://schemas.microsoft.com/office/drawing/2010/main" val="0"/>
+              </a:ext>
+            </a:extLst>
+          </a:blip>
+          <a:stretch>
+            <a:fillRect/>
+          </a:stretch>
+        </p:blipFill>
+        <p:spPr>
+          <a:xfrm>
+            <a:off x="3195108" y="1825625"/>
+            <a:ext cx="5801784" cy="4351338"/>
+          </a:xfrm>
+          <a:prstGeom prst="rect">
+            <a:avLst/>
+          </a:prstGeom>
+        </p:spPr>
+      </p:pic>
+    </p:spTree>
+    <p:extLst>
+      <p:ext uri="{BB962C8B-B14F-4D97-AF65-F5344CB8AC3E}">
+        <p14:creationId xmlns:p14="http://schemas.microsoft.com/office/powerpoint/2010/main" val="3170685239"/>
+      </p:ext>
+    </p:extLst>
+  </p:cSld>
+  <p:clrMapOvr>
+    <a:masterClrMapping/>
+  </p:clrMapOvr>
+</p:sld>
+</file>
+
+<file path=ppt/slides/slide4.xml><?xml version="1.0" encoding="utf-8"?>
+<p:sld xmlns:a="http://schemas.openxmlformats.org/drawingml/2006/main" xmlns:r="http://schemas.openxmlformats.org/officeDocument/2006/relationships" xmlns:p="http://schemas.openxmlformats.org/presentationml/2006/main">
+  <p:cSld>
+    <p:spTree>
+      <p:nvGrpSpPr>
+        <p:cNvPr id="1" name=""/>
+        <p:cNvGrpSpPr/>
+        <p:nvPr/>
+      </p:nvGrpSpPr>
+      <p:grpSpPr>
+        <a:xfrm>
+          <a:off x="0" y="0"/>
+          <a:ext cx="0" cy="0"/>
+          <a:chOff x="0" y="0"/>
+          <a:chExt cx="0" cy="0"/>
+        </a:xfrm>
+      </p:grpSpPr>
+      <p:sp>
+        <p:nvSpPr>
+          <p:cNvPr id="2" name="Title 1"/>
+          <p:cNvSpPr>
+            <a:spLocks noGrp="1"/>
+          </p:cNvSpPr>
+          <p:nvPr>
+            <p:ph type="title"/>
+          </p:nvPr>
+        </p:nvSpPr>
+        <p:spPr/>
+        <p:txBody>
+          <a:bodyPr/>
+          <a:lstStyle/>
+          <a:p>
+            <a:endParaRPr lang="en-US"/>
+          </a:p>
+        </p:txBody>
+      </p:sp>
+      <p:sp>
+        <p:nvSpPr>
+          <p:cNvPr id="3" name="Content Placeholder 2"/>
+          <p:cNvSpPr>
+            <a:spLocks noGrp="1"/>
+          </p:cNvSpPr>
+          <p:nvPr>
+            <p:ph idx="1"/>
+          </p:nvPr>
+        </p:nvSpPr>
+        <p:spPr/>
+        <p:txBody>
+          <a:bodyPr/>
+          <a:lstStyle/>
+          <a:p>
+            <a:endParaRPr lang="en-US"/>
+          </a:p>
+        </p:txBody>
+      </p:sp>
+      <p:pic>
+        <p:nvPicPr>
+          <p:cNvPr id="4" name="Content Placeholder 3"/>
+          <p:cNvPicPr>
+            <a:picLocks noChangeAspect="1"/>
+          </p:cNvPicPr>
+          <p:nvPr/>
+        </p:nvPicPr>
+        <p:blipFill>
+          <a:blip r:embed="rId2">
+            <a:extLst>
+              <a:ext uri="{28A0092B-C50C-407E-A947-70E740481C1C}">
+                <a14:useLocalDpi xmlns:a14="http://schemas.microsoft.com/office/drawing/2010/main" val="0"/>
+              </a:ext>
+            </a:extLst>
+          </a:blip>
+          <a:stretch>
+            <a:fillRect/>
+          </a:stretch>
+        </p:blipFill>
+        <p:spPr>
+          <a:xfrm>
+            <a:off x="3195108" y="1825625"/>
+            <a:ext cx="5801784" cy="4351338"/>
+          </a:xfrm>
+          <a:prstGeom prst="rect">
+            <a:avLst/>
+          </a:prstGeom>
+        </p:spPr>
+      </p:pic>
+    </p:spTree>
+    <p:extLst>
+      <p:ext uri="{BB962C8B-B14F-4D97-AF65-F5344CB8AC3E}">
+        <p14:creationId xmlns:p14="http://schemas.microsoft.com/office/powerpoint/2010/main" val="3019789998"/>
+      </p:ext>
+    </p:extLst>
+  </p:cSld>
+  <p:clrMapOvr>
+    <a:masterClrMapping/>
+  </p:clrMapOvr>
+</p:sld>
+</file>
+
+<file path=ppt/slides/slide5.xml><?xml version="1.0" encoding="utf-8"?>
+<p:sld xmlns:a="http://schemas.openxmlformats.org/drawingml/2006/main" xmlns:r="http://schemas.openxmlformats.org/officeDocument/2006/relationships" xmlns:p="http://schemas.openxmlformats.org/presentationml/2006/main">
+  <p:cSld>
+    <p:spTree>
+      <p:nvGrpSpPr>
+        <p:cNvPr id="1" name=""/>
+        <p:cNvGrpSpPr/>
+        <p:nvPr/>
+      </p:nvGrpSpPr>
+      <p:grpSpPr>
+        <a:xfrm>
+          <a:off x="0" y="0"/>
+          <a:ext cx="0" cy="0"/>
+          <a:chOff x="0" y="0"/>
+          <a:chExt cx="0" cy="0"/>
+        </a:xfrm>
+      </p:grpSpPr>
+      <p:sp>
+        <p:nvSpPr>
+          <p:cNvPr id="2" name="Title 1"/>
+          <p:cNvSpPr>
+            <a:spLocks noGrp="1"/>
+          </p:cNvSpPr>
+          <p:nvPr>
+            <p:ph type="title"/>
+          </p:nvPr>
+        </p:nvSpPr>
+        <p:spPr/>
+        <p:txBody>
+          <a:bodyPr/>
+          <a:lstStyle/>
+          <a:p>
+            <a:endParaRPr lang="en-US"/>
+          </a:p>
+        </p:txBody>
+      </p:sp>
+      <p:sp>
+        <p:nvSpPr>
+          <p:cNvPr id="3" name="Content Placeholder 2"/>
+          <p:cNvSpPr>
+            <a:spLocks noGrp="1"/>
+          </p:cNvSpPr>
+          <p:nvPr>
+            <p:ph idx="1"/>
+          </p:nvPr>
+        </p:nvSpPr>
+        <p:spPr/>
+        <p:txBody>
+          <a:bodyPr/>
+          <a:lstStyle/>
+          <a:p>
+            <a:endParaRPr lang="en-US"/>
+          </a:p>
+        </p:txBody>
+      </p:sp>
+      <p:pic>
+        <p:nvPicPr>
+          <p:cNvPr id="4" name="Content Placeholder 3"/>
+          <p:cNvPicPr>
+            <a:picLocks noChangeAspect="1"/>
+          </p:cNvPicPr>
+          <p:nvPr/>
+        </p:nvPicPr>
+        <p:blipFill>
+          <a:blip r:embed="rId2">
+            <a:extLst>
+              <a:ext uri="{28A0092B-C50C-407E-A947-70E740481C1C}">
+                <a14:useLocalDpi xmlns:a14="http://schemas.microsoft.com/office/drawing/2010/main" val="0"/>
+              </a:ext>
+            </a:extLst>
+          </a:blip>
+          <a:stretch>
+            <a:fillRect/>
+          </a:stretch>
+        </p:blipFill>
+        <p:spPr>
+          <a:xfrm>
+            <a:off x="3195108" y="1825625"/>
+            <a:ext cx="5801784" cy="4351338"/>
+          </a:xfrm>
+          <a:prstGeom prst="rect">
+            <a:avLst/>
+          </a:prstGeom>
+        </p:spPr>
+      </p:pic>
+    </p:spTree>
+    <p:extLst>
+      <p:ext uri="{BB962C8B-B14F-4D97-AF65-F5344CB8AC3E}">
+        <p14:creationId xmlns:p14="http://schemas.microsoft.com/office/powerpoint/2010/main" val="1278673561"/>
+      </p:ext>
+    </p:extLst>
+  </p:cSld>
+  <p:clrMapOvr>
+    <a:masterClrMapping/>
+  </p:clrMapOvr>
+</p:sld>
+</file>
+
+<file path=ppt/slides/slide6.xml><?xml version="1.0" encoding="utf-8"?>
+<p:sld xmlns:a="http://schemas.openxmlformats.org/drawingml/2006/main" xmlns:r="http://schemas.openxmlformats.org/officeDocument/2006/relationships" xmlns:p="http://schemas.openxmlformats.org/presentationml/2006/main">
+  <p:cSld>
+    <p:spTree>
+      <p:nvGrpSpPr>
+        <p:cNvPr id="1" name=""/>
+        <p:cNvGrpSpPr/>
+        <p:nvPr/>
+      </p:nvGrpSpPr>
+      <p:grpSpPr>
+        <a:xfrm>
+          <a:off x="0" y="0"/>
+          <a:ext cx="0" cy="0"/>
+          <a:chOff x="0" y="0"/>
+          <a:chExt cx="0" cy="0"/>
+        </a:xfrm>
+      </p:grpSpPr>
+      <p:sp>
+        <p:nvSpPr>
+          <p:cNvPr id="2" name="Title 1"/>
+          <p:cNvSpPr>
+            <a:spLocks noGrp="1"/>
+          </p:cNvSpPr>
+          <p:nvPr>
+            <p:ph type="title"/>
+          </p:nvPr>
+        </p:nvSpPr>
+        <p:spPr/>
+        <p:txBody>
+          <a:bodyPr/>
+          <a:lstStyle/>
+          <a:p>
+            <a:endParaRPr lang="en-US"/>
+          </a:p>
+        </p:txBody>
+      </p:sp>
+      <p:sp>
+        <p:nvSpPr>
+          <p:cNvPr id="3" name="Content Placeholder 2"/>
+          <p:cNvSpPr>
+            <a:spLocks noGrp="1"/>
+          </p:cNvSpPr>
+          <p:nvPr>
+            <p:ph idx="1"/>
+          </p:nvPr>
+        </p:nvSpPr>
+        <p:spPr/>
+        <p:txBody>
+          <a:bodyPr/>
+          <a:lstStyle/>
+          <a:p>
+            <a:endParaRPr lang="en-US"/>
+          </a:p>
+        </p:txBody>
+      </p:sp>
+      <p:pic>
+        <p:nvPicPr>
+          <p:cNvPr id="4" name="Content Placeholder 3"/>
+          <p:cNvPicPr>
+            <a:picLocks noChangeAspect="1"/>
+          </p:cNvPicPr>
+          <p:nvPr/>
+        </p:nvPicPr>
+        <p:blipFill>
+          <a:blip r:embed="rId2">
+            <a:extLst>
+              <a:ext uri="{28A0092B-C50C-407E-A947-70E740481C1C}">
+                <a14:useLocalDpi xmlns:a14="http://schemas.microsoft.com/office/drawing/2010/main" val="0"/>
+              </a:ext>
+            </a:extLst>
+          </a:blip>
+          <a:stretch>
+            <a:fillRect/>
+          </a:stretch>
+        </p:blipFill>
+        <p:spPr>
+          <a:xfrm>
+            <a:off x="3195108" y="1825625"/>
+            <a:ext cx="5801784" cy="4351338"/>
+          </a:xfrm>
+          <a:prstGeom prst="rect">
+            <a:avLst/>
+          </a:prstGeom>
+        </p:spPr>
+      </p:pic>
+    </p:spTree>
+    <p:extLst>
+      <p:ext uri="{BB962C8B-B14F-4D97-AF65-F5344CB8AC3E}">
+        <p14:creationId xmlns:p14="http://schemas.microsoft.com/office/powerpoint/2010/main" val="3969276944"/>
+      </p:ext>
+    </p:extLst>
+  </p:cSld>
+  <p:clrMapOvr>
+    <a:masterClrMapping/>
+  </p:clrMapOvr>
+</p:sld>
+</file>
+
 <file path=ppt/theme/theme1.xml><?xml version="1.0" encoding="utf-8"?>
 <a:theme xmlns:a="http://schemas.openxmlformats.org/drawingml/2006/main" name="Office Theme">
   <a:themeElements>

--- a/PowerPoint/PPTTest.pptx
+++ b/PowerPoint/PPTTest.pptx
@@ -2991,7 +2991,11 @@
           <a:p>
             <a:r>
               <a:rPr lang="en-US" smtClean="0"/>
-              <a:t>Version 3</a:t>
+              <a:t>Version </a:t>
+            </a:r>
+            <a:r>
+              <a:rPr lang="en-US" smtClean="0"/>
+              <a:t>35</a:t>
             </a:r>
             <a:endParaRPr lang="en-US" dirty="0"/>
           </a:p>

--- a/PowerPoint/PPTTest.pptx
+++ b/PowerPoint/PPTTest.pptx
@@ -248,7 +248,7 @@
           <a:p>
             <a:fld id="{C8949156-D517-4619-9EDC-75BD2C1FB1CC}" type="datetimeFigureOut">
               <a:rPr lang="en-US" smtClean="0"/>
-              <a:t>4/6/2015</a:t>
+              <a:t>4/9/2015</a:t>
             </a:fld>
             <a:endParaRPr lang="en-US"/>
           </a:p>
@@ -418,7 +418,7 @@
           <a:p>
             <a:fld id="{C8949156-D517-4619-9EDC-75BD2C1FB1CC}" type="datetimeFigureOut">
               <a:rPr lang="en-US" smtClean="0"/>
-              <a:t>4/6/2015</a:t>
+              <a:t>4/9/2015</a:t>
             </a:fld>
             <a:endParaRPr lang="en-US"/>
           </a:p>
@@ -598,7 +598,7 @@
           <a:p>
             <a:fld id="{C8949156-D517-4619-9EDC-75BD2C1FB1CC}" type="datetimeFigureOut">
               <a:rPr lang="en-US" smtClean="0"/>
-              <a:t>4/6/2015</a:t>
+              <a:t>4/9/2015</a:t>
             </a:fld>
             <a:endParaRPr lang="en-US"/>
           </a:p>
@@ -768,7 +768,7 @@
           <a:p>
             <a:fld id="{C8949156-D517-4619-9EDC-75BD2C1FB1CC}" type="datetimeFigureOut">
               <a:rPr lang="en-US" smtClean="0"/>
-              <a:t>4/6/2015</a:t>
+              <a:t>4/9/2015</a:t>
             </a:fld>
             <a:endParaRPr lang="en-US"/>
           </a:p>
@@ -1014,7 +1014,7 @@
           <a:p>
             <a:fld id="{C8949156-D517-4619-9EDC-75BD2C1FB1CC}" type="datetimeFigureOut">
               <a:rPr lang="en-US" smtClean="0"/>
-              <a:t>4/6/2015</a:t>
+              <a:t>4/9/2015</a:t>
             </a:fld>
             <a:endParaRPr lang="en-US"/>
           </a:p>
@@ -1246,7 +1246,7 @@
           <a:p>
             <a:fld id="{C8949156-D517-4619-9EDC-75BD2C1FB1CC}" type="datetimeFigureOut">
               <a:rPr lang="en-US" smtClean="0"/>
-              <a:t>4/6/2015</a:t>
+              <a:t>4/9/2015</a:t>
             </a:fld>
             <a:endParaRPr lang="en-US"/>
           </a:p>
@@ -1613,7 +1613,7 @@
           <a:p>
             <a:fld id="{C8949156-D517-4619-9EDC-75BD2C1FB1CC}" type="datetimeFigureOut">
               <a:rPr lang="en-US" smtClean="0"/>
-              <a:t>4/6/2015</a:t>
+              <a:t>4/9/2015</a:t>
             </a:fld>
             <a:endParaRPr lang="en-US"/>
           </a:p>
@@ -1731,7 +1731,7 @@
           <a:p>
             <a:fld id="{C8949156-D517-4619-9EDC-75BD2C1FB1CC}" type="datetimeFigureOut">
               <a:rPr lang="en-US" smtClean="0"/>
-              <a:t>4/6/2015</a:t>
+              <a:t>4/9/2015</a:t>
             </a:fld>
             <a:endParaRPr lang="en-US"/>
           </a:p>
@@ -1826,7 +1826,7 @@
           <a:p>
             <a:fld id="{C8949156-D517-4619-9EDC-75BD2C1FB1CC}" type="datetimeFigureOut">
               <a:rPr lang="en-US" smtClean="0"/>
-              <a:t>4/6/2015</a:t>
+              <a:t>4/9/2015</a:t>
             </a:fld>
             <a:endParaRPr lang="en-US"/>
           </a:p>
@@ -2103,7 +2103,7 @@
           <a:p>
             <a:fld id="{C8949156-D517-4619-9EDC-75BD2C1FB1CC}" type="datetimeFigureOut">
               <a:rPr lang="en-US" smtClean="0"/>
-              <a:t>4/6/2015</a:t>
+              <a:t>4/9/2015</a:t>
             </a:fld>
             <a:endParaRPr lang="en-US"/>
           </a:p>
@@ -2356,7 +2356,7 @@
           <a:p>
             <a:fld id="{C8949156-D517-4619-9EDC-75BD2C1FB1CC}" type="datetimeFigureOut">
               <a:rPr lang="en-US" smtClean="0"/>
-              <a:t>4/6/2015</a:t>
+              <a:t>4/9/2015</a:t>
             </a:fld>
             <a:endParaRPr lang="en-US"/>
           </a:p>
@@ -2569,7 +2569,7 @@
           <a:p>
             <a:fld id="{C8949156-D517-4619-9EDC-75BD2C1FB1CC}" type="datetimeFigureOut">
               <a:rPr lang="en-US" smtClean="0"/>
-              <a:t>4/6/2015</a:t>
+              <a:t>4/9/2015</a:t>
             </a:fld>
             <a:endParaRPr lang="en-US"/>
           </a:p>
@@ -2995,7 +2995,7 @@
             </a:r>
             <a:r>
               <a:rPr lang="en-US" smtClean="0"/>
-              <a:t>35</a:t>
+              <a:t>38</a:t>
             </a:r>
             <a:endParaRPr lang="en-US" dirty="0"/>
           </a:p>

--- a/PowerPoint/PPTTest.pptx
+++ b/PowerPoint/PPTTest.pptx
@@ -2990,12 +2990,8 @@
           <a:lstStyle/>
           <a:p>
             <a:r>
-              <a:rPr lang="en-US" smtClean="0"/>
-              <a:t>Version </a:t>
-            </a:r>
-            <a:r>
-              <a:rPr lang="en-US" smtClean="0"/>
-              <a:t>38</a:t>
+              <a:rPr lang="en-US"/>
+              <a:t>Version 35</a:t>
             </a:r>
             <a:endParaRPr lang="en-US" dirty="0"/>
           </a:p>

--- a/PowerPoint/PPTTest.pptx
+++ b/PowerPoint/PPTTest.pptx
@@ -248,7 +248,7 @@
           <a:p>
             <a:fld id="{C8949156-D517-4619-9EDC-75BD2C1FB1CC}" type="datetimeFigureOut">
               <a:rPr lang="en-US" smtClean="0"/>
-              <a:t>4/9/2015</a:t>
+              <a:t>4/6/2015</a:t>
             </a:fld>
             <a:endParaRPr lang="en-US"/>
           </a:p>
@@ -418,7 +418,7 @@
           <a:p>
             <a:fld id="{C8949156-D517-4619-9EDC-75BD2C1FB1CC}" type="datetimeFigureOut">
               <a:rPr lang="en-US" smtClean="0"/>
-              <a:t>4/9/2015</a:t>
+              <a:t>4/6/2015</a:t>
             </a:fld>
             <a:endParaRPr lang="en-US"/>
           </a:p>
@@ -598,7 +598,7 @@
           <a:p>
             <a:fld id="{C8949156-D517-4619-9EDC-75BD2C1FB1CC}" type="datetimeFigureOut">
               <a:rPr lang="en-US" smtClean="0"/>
-              <a:t>4/9/2015</a:t>
+              <a:t>4/6/2015</a:t>
             </a:fld>
             <a:endParaRPr lang="en-US"/>
           </a:p>
@@ -768,7 +768,7 @@
           <a:p>
             <a:fld id="{C8949156-D517-4619-9EDC-75BD2C1FB1CC}" type="datetimeFigureOut">
               <a:rPr lang="en-US" smtClean="0"/>
-              <a:t>4/9/2015</a:t>
+              <a:t>4/6/2015</a:t>
             </a:fld>
             <a:endParaRPr lang="en-US"/>
           </a:p>
@@ -1014,7 +1014,7 @@
           <a:p>
             <a:fld id="{C8949156-D517-4619-9EDC-75BD2C1FB1CC}" type="datetimeFigureOut">
               <a:rPr lang="en-US" smtClean="0"/>
-              <a:t>4/9/2015</a:t>
+              <a:t>4/6/2015</a:t>
             </a:fld>
             <a:endParaRPr lang="en-US"/>
           </a:p>
@@ -1246,7 +1246,7 @@
           <a:p>
             <a:fld id="{C8949156-D517-4619-9EDC-75BD2C1FB1CC}" type="datetimeFigureOut">
               <a:rPr lang="en-US" smtClean="0"/>
-              <a:t>4/9/2015</a:t>
+              <a:t>4/6/2015</a:t>
             </a:fld>
             <a:endParaRPr lang="en-US"/>
           </a:p>
@@ -1613,7 +1613,7 @@
           <a:p>
             <a:fld id="{C8949156-D517-4619-9EDC-75BD2C1FB1CC}" type="datetimeFigureOut">
               <a:rPr lang="en-US" smtClean="0"/>
-              <a:t>4/9/2015</a:t>
+              <a:t>4/6/2015</a:t>
             </a:fld>
             <a:endParaRPr lang="en-US"/>
           </a:p>
@@ -1731,7 +1731,7 @@
           <a:p>
             <a:fld id="{C8949156-D517-4619-9EDC-75BD2C1FB1CC}" type="datetimeFigureOut">
               <a:rPr lang="en-US" smtClean="0"/>
-              <a:t>4/9/2015</a:t>
+              <a:t>4/6/2015</a:t>
             </a:fld>
             <a:endParaRPr lang="en-US"/>
           </a:p>
@@ -1826,7 +1826,7 @@
           <a:p>
             <a:fld id="{C8949156-D517-4619-9EDC-75BD2C1FB1CC}" type="datetimeFigureOut">
               <a:rPr lang="en-US" smtClean="0"/>
-              <a:t>4/9/2015</a:t>
+              <a:t>4/6/2015</a:t>
             </a:fld>
             <a:endParaRPr lang="en-US"/>
           </a:p>
@@ -2103,7 +2103,7 @@
           <a:p>
             <a:fld id="{C8949156-D517-4619-9EDC-75BD2C1FB1CC}" type="datetimeFigureOut">
               <a:rPr lang="en-US" smtClean="0"/>
-              <a:t>4/9/2015</a:t>
+              <a:t>4/6/2015</a:t>
             </a:fld>
             <a:endParaRPr lang="en-US"/>
           </a:p>
@@ -2356,7 +2356,7 @@
           <a:p>
             <a:fld id="{C8949156-D517-4619-9EDC-75BD2C1FB1CC}" type="datetimeFigureOut">
               <a:rPr lang="en-US" smtClean="0"/>
-              <a:t>4/9/2015</a:t>
+              <a:t>4/6/2015</a:t>
             </a:fld>
             <a:endParaRPr lang="en-US"/>
           </a:p>
@@ -2569,7 +2569,7 @@
           <a:p>
             <a:fld id="{C8949156-D517-4619-9EDC-75BD2C1FB1CC}" type="datetimeFigureOut">
               <a:rPr lang="en-US" smtClean="0"/>
-              <a:t>4/9/2015</a:t>
+              <a:t>4/6/2015</a:t>
             </a:fld>
             <a:endParaRPr lang="en-US"/>
           </a:p>
@@ -2990,8 +2990,12 @@
           <a:lstStyle/>
           <a:p>
             <a:r>
-              <a:rPr lang="en-US"/>
-              <a:t>Version 35</a:t>
+              <a:rPr lang="en-US" smtClean="0"/>
+              <a:t>Version </a:t>
+            </a:r>
+            <a:r>
+              <a:rPr lang="en-US" smtClean="0"/>
+              <a:t>35</a:t>
             </a:r>
             <a:endParaRPr lang="en-US" dirty="0"/>
           </a:p>
